--- a/Challenge 2/Presentation/Anomaly Detection Practical – Challenge II.pptx
+++ b/Challenge 2/Presentation/Anomaly Detection Practical – Challenge II.pptx
@@ -2635,7 +2635,7 @@
               </a:spcBef>
               <a:buNone/>
             </a:pPr>
-            <a:endParaRPr/>
+            <a:endParaRPr dirty="0"/>
           </a:p>
         </p:txBody>
       </p:sp>
@@ -16672,7 +16672,7 @@
         <p:spPr>
           <a:xfrm>
             <a:off x="311162" y="1323474"/>
-            <a:ext cx="8207196" cy="3847207"/>
+            <a:ext cx="8207196" cy="4154984"/>
           </a:xfrm>
           <a:prstGeom prst="rect">
             <a:avLst/>
@@ -16727,8 +16727,15 @@
             </a:pPr>
             <a:r>
               <a:rPr lang="en-US" sz="2000" dirty="0" smtClean="0"/>
-              <a:t>Reviewer Deviation (absolute values)*</a:t>
-            </a:r>
+              <a:t>Reviewer Deviation (absolute values</a:t>
+            </a:r>
+            <a:r>
+              <a:rPr lang="en-US" sz="2000" dirty="0" smtClean="0"/>
+              <a:t>)*</a:t>
+            </a:r>
+          </a:p>
+          <a:p>
+            <a:endParaRPr lang="en-US" sz="2000" dirty="0" smtClean="0"/>
           </a:p>
           <a:p>
             <a:pPr marL="342900" indent="-342900">
@@ -16736,31 +16743,31 @@
               <a:buChar char="q"/>
             </a:pPr>
             <a:r>
-              <a:rPr lang="en-US" sz="2000" dirty="0" smtClean="0"/>
+              <a:rPr lang="en-US" sz="2000" b="1" dirty="0" smtClean="0"/>
               <a:t>Review Metadata (rating, </a:t>
             </a:r>
             <a:r>
-              <a:rPr lang="en-US" sz="2000" dirty="0" err="1" smtClean="0"/>
+              <a:rPr lang="en-US" sz="2000" b="1" dirty="0" err="1" smtClean="0"/>
               <a:t>usefulCount</a:t>
             </a:r>
             <a:r>
-              <a:rPr lang="en-US" sz="2000" dirty="0" smtClean="0"/>
+              <a:rPr lang="en-US" sz="2000" b="1" dirty="0" smtClean="0"/>
               <a:t>, </a:t>
             </a:r>
             <a:r>
-              <a:rPr lang="en-US" sz="2000" dirty="0" err="1" smtClean="0"/>
+              <a:rPr lang="en-US" sz="2000" b="1" dirty="0" err="1" smtClean="0"/>
               <a:t>coolCount</a:t>
             </a:r>
             <a:r>
-              <a:rPr lang="en-US" sz="2000" dirty="0" smtClean="0"/>
+              <a:rPr lang="en-US" sz="2000" b="1" dirty="0" smtClean="0"/>
               <a:t>, </a:t>
             </a:r>
             <a:r>
-              <a:rPr lang="en-US" sz="2000" dirty="0" err="1" smtClean="0"/>
+              <a:rPr lang="en-US" sz="2000" b="1" dirty="0" err="1" smtClean="0"/>
               <a:t>funnyCount</a:t>
             </a:r>
             <a:r>
-              <a:rPr lang="en-US" sz="2000" dirty="0" smtClean="0"/>
+              <a:rPr lang="en-US" sz="2000" b="1" dirty="0" smtClean="0"/>
               <a:t> columns)</a:t>
             </a:r>
           </a:p>
@@ -16770,47 +16777,47 @@
               <a:buChar char="q"/>
             </a:pPr>
             <a:r>
-              <a:rPr lang="en-US" sz="2000" dirty="0" smtClean="0"/>
+              <a:rPr lang="en-US" sz="2000" b="1" dirty="0" smtClean="0"/>
               <a:t>Reviewer Metadata (</a:t>
             </a:r>
             <a:r>
-              <a:rPr lang="en-US" sz="2000" dirty="0" err="1" smtClean="0"/>
+              <a:rPr lang="en-US" sz="2000" b="1" dirty="0" err="1" smtClean="0"/>
               <a:t>friendCount</a:t>
             </a:r>
             <a:r>
-              <a:rPr lang="en-US" sz="2000" dirty="0" smtClean="0"/>
+              <a:rPr lang="en-US" sz="2000" b="1" dirty="0" smtClean="0"/>
               <a:t>, </a:t>
             </a:r>
             <a:r>
-              <a:rPr lang="en-US" sz="2000" dirty="0" err="1" smtClean="0"/>
+              <a:rPr lang="en-US" sz="2000" b="1" dirty="0" err="1" smtClean="0"/>
               <a:t>firstCount</a:t>
             </a:r>
             <a:r>
-              <a:rPr lang="en-US" sz="2000" dirty="0" smtClean="0"/>
+              <a:rPr lang="en-US" sz="2000" b="1" dirty="0" smtClean="0"/>
               <a:t>, </a:t>
             </a:r>
             <a:r>
-              <a:rPr lang="en-US" sz="2000" dirty="0" err="1" smtClean="0"/>
+              <a:rPr lang="en-US" sz="2000" b="1" dirty="0" err="1" smtClean="0"/>
               <a:t>usefulCount</a:t>
             </a:r>
             <a:r>
-              <a:rPr lang="en-US" sz="2000" dirty="0" smtClean="0"/>
+              <a:rPr lang="en-US" sz="2000" b="1" dirty="0" smtClean="0"/>
               <a:t>, </a:t>
             </a:r>
             <a:r>
-              <a:rPr lang="en-US" sz="2000" dirty="0" err="1" smtClean="0"/>
+              <a:rPr lang="en-US" sz="2000" b="1" dirty="0" err="1" smtClean="0"/>
               <a:t>coolCount</a:t>
             </a:r>
             <a:r>
-              <a:rPr lang="en-US" sz="2000" dirty="0" smtClean="0"/>
+              <a:rPr lang="en-US" sz="2000" b="1" dirty="0" smtClean="0"/>
               <a:t> &amp; </a:t>
             </a:r>
             <a:r>
-              <a:rPr lang="en-US" sz="2000" dirty="0" err="1" smtClean="0"/>
+              <a:rPr lang="en-US" sz="2000" b="1" dirty="0" err="1" smtClean="0"/>
               <a:t>funnyCount</a:t>
             </a:r>
             <a:r>
-              <a:rPr lang="en-US" sz="2000" dirty="0" smtClean="0"/>
+              <a:rPr lang="en-US" sz="2000" b="1" dirty="0" smtClean="0"/>
               <a:t> columns)</a:t>
             </a:r>
           </a:p>

--- a/Challenge 2/Presentation/Anomaly Detection Practical – Challenge II.pptx
+++ b/Challenge 2/Presentation/Anomaly Detection Practical – Challenge II.pptx
@@ -13302,6 +13302,36 @@
           </a:p>
         </p:txBody>
       </p:sp>
+      <p:sp>
+        <p:nvSpPr>
+          <p:cNvPr id="7" name="TextBox 6"/>
+          <p:cNvSpPr txBox="1"/>
+          <p:nvPr/>
+        </p:nvSpPr>
+        <p:spPr>
+          <a:xfrm>
+            <a:off x="5517501" y="6069040"/>
+            <a:ext cx="2908168" cy="307777"/>
+          </a:xfrm>
+          <a:prstGeom prst="rect">
+            <a:avLst/>
+          </a:prstGeom>
+          <a:noFill/>
+        </p:spPr>
+        <p:txBody>
+          <a:bodyPr wrap="none" rtlCol="0">
+            <a:spAutoFit/>
+          </a:bodyPr>
+          <a:lstStyle/>
+          <a:p>
+            <a:r>
+              <a:rPr lang="en-US" b="1" dirty="0" smtClean="0"/>
+              <a:t>Don’t try this classifier at home!</a:t>
+            </a:r>
+            <a:endParaRPr lang="en-US" b="1" dirty="0"/>
+          </a:p>
+        </p:txBody>
+      </p:sp>
     </p:spTree>
     <p:extLst>
       <p:ext uri="{BB962C8B-B14F-4D97-AF65-F5344CB8AC3E}">
@@ -13333,7 +13363,7 @@
                             </p:stCondLst>
                             <p:childTnLst>
                               <p:par>
-                                <p:cTn id="5" presetID="10" presetClass="entr" presetSubtype="0" fill="hold" grpId="0" nodeType="clickEffect">
+                                <p:cTn id="5" presetID="1" presetClass="entr" presetSubtype="0" fill="hold" nodeType="clickEffect">
                                   <p:stCondLst>
                                     <p:cond delay="0"/>
                                   </p:stCondLst>
@@ -13341,6 +13371,78 @@
                                     <p:set>
                                       <p:cBhvr>
                                         <p:cTn id="6" dur="1" fill="hold">
+                                          <p:stCondLst>
+                                            <p:cond delay="0"/>
+                                          </p:stCondLst>
+                                        </p:cTn>
+                                        <p:tgtEl>
+                                          <p:spTgt spid="4"/>
+                                        </p:tgtEl>
+                                        <p:attrNameLst>
+                                          <p:attrName>style.visibility</p:attrName>
+                                        </p:attrNameLst>
+                                      </p:cBhvr>
+                                      <p:to>
+                                        <p:strVal val="visible"/>
+                                      </p:to>
+                                    </p:set>
+                                  </p:childTnLst>
+                                </p:cTn>
+                              </p:par>
+                              <p:par>
+                                <p:cTn id="7" presetID="1" presetClass="entr" presetSubtype="0" fill="hold" grpId="0" nodeType="withEffect">
+                                  <p:stCondLst>
+                                    <p:cond delay="0"/>
+                                  </p:stCondLst>
+                                  <p:childTnLst>
+                                    <p:set>
+                                      <p:cBhvr>
+                                        <p:cTn id="8" dur="1" fill="hold">
+                                          <p:stCondLst>
+                                            <p:cond delay="0"/>
+                                          </p:stCondLst>
+                                        </p:cTn>
+                                        <p:tgtEl>
+                                          <p:spTgt spid="5"/>
+                                        </p:tgtEl>
+                                        <p:attrNameLst>
+                                          <p:attrName>style.visibility</p:attrName>
+                                        </p:attrNameLst>
+                                      </p:cBhvr>
+                                      <p:to>
+                                        <p:strVal val="visible"/>
+                                      </p:to>
+                                    </p:set>
+                                  </p:childTnLst>
+                                </p:cTn>
+                              </p:par>
+                            </p:childTnLst>
+                          </p:cTn>
+                        </p:par>
+                      </p:childTnLst>
+                    </p:cTn>
+                  </p:par>
+                  <p:par>
+                    <p:cTn id="9" fill="hold">
+                      <p:stCondLst>
+                        <p:cond delay="indefinite"/>
+                      </p:stCondLst>
+                      <p:childTnLst>
+                        <p:par>
+                          <p:cTn id="10" fill="hold">
+                            <p:stCondLst>
+                              <p:cond delay="0"/>
+                            </p:stCondLst>
+                            <p:childTnLst>
+                              <p:par>
+                                <p:cTn id="11" presetID="1" presetClass="entr" presetSubtype="0" fill="hold" grpId="0" nodeType="clickEffect">
+                                  <p:stCondLst>
+                                    <p:cond delay="0"/>
+                                  </p:stCondLst>
+                                  <p:childTnLst>
+                                    <p:set>
+                                      <p:cBhvr>
+                                        <p:cTn id="12" dur="1" fill="hold">
                                           <p:stCondLst>
                                             <p:cond delay="0"/>
                                           </p:stCondLst>
@@ -13356,44 +13458,18 @@
                                         <p:strVal val="visible"/>
                                       </p:to>
                                     </p:set>
-                                    <p:animEffect transition="in" filter="fade">
-                                      <p:cBhvr>
-                                        <p:cTn id="7" dur="500"/>
-                                        <p:tgtEl>
-                                          <p:spTgt spid="3"/>
-                                        </p:tgtEl>
-                                      </p:cBhvr>
-                                    </p:animEffect>
                                   </p:childTnLst>
                                 </p:cTn>
                               </p:par>
-                            </p:childTnLst>
-                          </p:cTn>
-                        </p:par>
-                      </p:childTnLst>
-                    </p:cTn>
-                  </p:par>
-                  <p:par>
-                    <p:cTn id="8" fill="hold">
-                      <p:stCondLst>
-                        <p:cond delay="indefinite"/>
-                      </p:stCondLst>
-                      <p:childTnLst>
-                        <p:par>
-                          <p:cTn id="9" fill="hold">
-                            <p:stCondLst>
-                              <p:cond delay="0"/>
-                            </p:stCondLst>
-                            <p:childTnLst>
                               <p:par>
-                                <p:cTn id="10" presetID="10" presetClass="entr" presetSubtype="0" fill="hold" grpId="0" nodeType="clickEffect">
+                                <p:cTn id="13" presetID="1" presetClass="entr" presetSubtype="0" fill="hold" grpId="0" nodeType="withEffect">
                                   <p:stCondLst>
                                     <p:cond delay="0"/>
                                   </p:stCondLst>
                                   <p:childTnLst>
                                     <p:set>
                                       <p:cBhvr>
-                                        <p:cTn id="11" dur="1" fill="hold">
+                                        <p:cTn id="14" dur="1" fill="hold">
                                           <p:stCondLst>
                                             <p:cond delay="0"/>
                                           </p:stCondLst>
@@ -13409,14 +13485,6 @@
                                         <p:strVal val="visible"/>
                                       </p:to>
                                     </p:set>
-                                    <p:animEffect transition="in" filter="fade">
-                                      <p:cBhvr>
-                                        <p:cTn id="12" dur="500"/>
-                                        <p:tgtEl>
-                                          <p:spTgt spid="6"/>
-                                        </p:tgtEl>
-                                      </p:cBhvr>
-                                    </p:animEffect>
                                   </p:childTnLst>
                                 </p:cTn>
                               </p:par>
@@ -13449,6 +13517,7 @@
     </p:tnLst>
     <p:bldLst>
       <p:bldP spid="3" grpId="0"/>
+      <p:bldP spid="5" grpId="0"/>
       <p:bldP spid="6" grpId="0"/>
     </p:bldLst>
   </p:timing>
@@ -15477,21 +15546,8 @@
           <a:p>
             <a:r>
               <a:rPr lang="en-US" sz="2000" dirty="0" smtClean="0"/>
-              <a:t>There </a:t>
-            </a:r>
-            <a:r>
-              <a:rPr lang="en-US" sz="2000" dirty="0" smtClean="0"/>
-              <a:t>are generally </a:t>
-            </a:r>
-            <a:r>
-              <a:rPr lang="en-US" sz="2000" dirty="0" smtClean="0"/>
-              <a:t>two kinds of features in </a:t>
-            </a:r>
-            <a:r>
-              <a:rPr lang="en-US" sz="2000" dirty="0" smtClean="0"/>
-              <a:t>classification of spam:</a:t>
-            </a:r>
-            <a:endParaRPr lang="en-US" sz="2000" dirty="0" smtClean="0"/>
+              <a:t>There are generally two kinds of features in classification of spam:</a:t>
+            </a:r>
           </a:p>
           <a:p>
             <a:pPr marL="285750" indent="-285750">
@@ -15500,13 +15556,8 @@
             </a:pPr>
             <a:r>
               <a:rPr lang="en-US" sz="1800" dirty="0" smtClean="0"/>
-              <a:t>Linguistic </a:t>
-            </a:r>
-            <a:r>
-              <a:rPr lang="en-US" sz="1800" dirty="0" smtClean="0"/>
-              <a:t>Features</a:t>
-            </a:r>
-            <a:endParaRPr lang="en-US" sz="1800" dirty="0" smtClean="0"/>
+              <a:t>Linguistic Features</a:t>
+            </a:r>
           </a:p>
           <a:p>
             <a:pPr marL="285750" indent="-285750">
@@ -15515,13 +15566,8 @@
             </a:pPr>
             <a:r>
               <a:rPr lang="en-US" sz="1800" dirty="0" smtClean="0"/>
-              <a:t>Behavioral </a:t>
-            </a:r>
-            <a:r>
-              <a:rPr lang="en-US" sz="1800" dirty="0" smtClean="0"/>
-              <a:t>Features</a:t>
-            </a:r>
-            <a:endParaRPr lang="en-US" sz="1800" dirty="0" smtClean="0"/>
+              <a:t>Behavioral Features</a:t>
+            </a:r>
           </a:p>
           <a:p>
             <a:pPr marL="285750" indent="-285750">
@@ -15533,11 +15579,7 @@
           <a:p>
             <a:r>
               <a:rPr lang="en-US" sz="2400" b="1" dirty="0" smtClean="0"/>
-              <a:t>Linguistic </a:t>
-            </a:r>
-            <a:r>
-              <a:rPr lang="en-US" sz="2400" b="1" dirty="0" smtClean="0"/>
-              <a:t>Features</a:t>
+              <a:t>Linguistic Features</a:t>
             </a:r>
           </a:p>
           <a:p>
@@ -15570,15 +15612,7 @@
             </a:pPr>
             <a:r>
               <a:rPr lang="en-US" sz="1800" dirty="0" smtClean="0"/>
-              <a:t>Measure of similarity among </a:t>
-            </a:r>
-            <a:r>
-              <a:rPr lang="en-US" sz="1800" dirty="0" smtClean="0"/>
-              <a:t>words </a:t>
-            </a:r>
-            <a:r>
-              <a:rPr lang="en-US" sz="1800" dirty="0" smtClean="0"/>
-              <a:t>- (Cosine distance).</a:t>
+              <a:t>Measure of similarity among words - (Cosine distance).</a:t>
             </a:r>
           </a:p>
           <a:p>
@@ -15591,11 +15625,7 @@
           <a:p>
             <a:r>
               <a:rPr lang="en-US" sz="2400" b="1" dirty="0" smtClean="0"/>
-              <a:t>Behavioral </a:t>
-            </a:r>
-            <a:r>
-              <a:rPr lang="en-US" sz="2400" b="1" dirty="0" smtClean="0"/>
-              <a:t>Features</a:t>
+              <a:t>Behavioral Features</a:t>
             </a:r>
           </a:p>
           <a:p>
@@ -15668,9 +15698,6 @@
               </a:rPr>
               <a:t>.</a:t>
             </a:r>
-            <a:endParaRPr lang="en-US" sz="1800" dirty="0" smtClean="0">
-              <a:latin typeface="+mn-lt"/>
-            </a:endParaRPr>
           </a:p>
           <a:p>
             <a:endParaRPr lang="en-US" sz="2000" b="1" dirty="0" smtClean="0"/>
@@ -15877,11 +15904,7 @@
             </a:pPr>
             <a:r>
               <a:rPr lang="de-DE" sz="1800" dirty="0" smtClean="0"/>
-              <a:t>Used </a:t>
-            </a:r>
-            <a:r>
-              <a:rPr lang="de-DE" sz="1800" dirty="0" smtClean="0"/>
-              <a:t>queries to change aggregation levels.</a:t>
+              <a:t>Used queries to change aggregation levels.</a:t>
             </a:r>
           </a:p>
           <a:p>
@@ -16727,11 +16750,7 @@
             </a:pPr>
             <a:r>
               <a:rPr lang="en-US" sz="2000" dirty="0" smtClean="0"/>
-              <a:t>Reviewer Deviation (absolute values</a:t>
-            </a:r>
-            <a:r>
-              <a:rPr lang="en-US" sz="2000" dirty="0" smtClean="0"/>
-              <a:t>)*</a:t>
+              <a:t>Reviewer Deviation (absolute values)*</a:t>
             </a:r>
           </a:p>
           <a:p>
@@ -16865,7 +16884,7 @@
         </p:blipFill>
         <p:spPr>
           <a:xfrm>
-            <a:off x="2773082" y="5170681"/>
+            <a:off x="1039297" y="5453790"/>
             <a:ext cx="2962149" cy="1026654"/>
           </a:xfrm>
           <a:prstGeom prst="rect">
@@ -18730,11 +18749,7 @@
             </a:pPr>
             <a:r>
               <a:rPr lang="de-DE" sz="2000" b="1" dirty="0" smtClean="0"/>
-              <a:t>0. Discovery: Supreme </a:t>
-            </a:r>
-            <a:r>
-              <a:rPr lang="de-DE" sz="2000" b="1" dirty="0" smtClean="0"/>
-              <a:t>Classifier</a:t>
+              <a:t>0. Discovery: Supreme Classifier</a:t>
             </a:r>
           </a:p>
           <a:p>
@@ -18877,7 +18892,6 @@
               <a:rPr lang="de-DE" sz="2000" dirty="0" smtClean="0"/>
               <a:t>Forest</a:t>
             </a:r>
-            <a:endParaRPr lang="de-DE" sz="2000" dirty="0" smtClean="0"/>
           </a:p>
         </p:txBody>
       </p:sp>

--- a/Challenge 2/Presentation/Anomaly Detection Practical – Challenge II.pptx
+++ b/Challenge 2/Presentation/Anomaly Detection Practical – Challenge II.pptx
@@ -13325,10 +13325,18 @@
           <a:lstStyle/>
           <a:p>
             <a:r>
-              <a:rPr lang="en-US" b="1" dirty="0" smtClean="0"/>
+              <a:rPr lang="en-US" b="1" dirty="0" smtClean="0">
+                <a:solidFill>
+                  <a:srgbClr val="FF0000"/>
+                </a:solidFill>
+              </a:rPr>
               <a:t>Don’t try this classifier at home!</a:t>
             </a:r>
-            <a:endParaRPr lang="en-US" b="1" dirty="0"/>
+            <a:endParaRPr lang="en-US" b="1" dirty="0">
+              <a:solidFill>
+                <a:srgbClr val="FF0000"/>
+              </a:solidFill>
+            </a:endParaRPr>
           </a:p>
         </p:txBody>
       </p:sp>
